--- a/assets/presentation/Presentazione Counter.pptx
+++ b/assets/presentation/Presentazione Counter.pptx
@@ -209,7 +209,7 @@
           <a:p>
             <a:fld id="{53EA131C-FDEA-4DB5-8B04-E97A7817AF64}" type="datetimeFigureOut">
               <a:rPr lang="it-IT" smtClean="0"/>
-              <a:t>04/07/2022</a:t>
+              <a:t>05/07/2022</a:t>
             </a:fld>
             <a:endParaRPr lang="it-IT"/>
           </a:p>
@@ -2020,7 +2020,7 @@
           <a:p>
             <a:fld id="{8F4123FD-8503-424E-BB0E-06AF7306D130}" type="datetimeFigureOut">
               <a:rPr lang="it-IT" smtClean="0"/>
-              <a:t>04/07/2022</a:t>
+              <a:t>05/07/2022</a:t>
             </a:fld>
             <a:endParaRPr lang="it-IT"/>
           </a:p>
@@ -2218,7 +2218,7 @@
           <a:p>
             <a:fld id="{8F4123FD-8503-424E-BB0E-06AF7306D130}" type="datetimeFigureOut">
               <a:rPr lang="it-IT" smtClean="0"/>
-              <a:t>04/07/2022</a:t>
+              <a:t>05/07/2022</a:t>
             </a:fld>
             <a:endParaRPr lang="it-IT"/>
           </a:p>
@@ -2426,7 +2426,7 @@
           <a:p>
             <a:fld id="{8F4123FD-8503-424E-BB0E-06AF7306D130}" type="datetimeFigureOut">
               <a:rPr lang="it-IT" smtClean="0"/>
-              <a:t>04/07/2022</a:t>
+              <a:t>05/07/2022</a:t>
             </a:fld>
             <a:endParaRPr lang="it-IT"/>
           </a:p>
@@ -2624,7 +2624,7 @@
           <a:p>
             <a:fld id="{8F4123FD-8503-424E-BB0E-06AF7306D130}" type="datetimeFigureOut">
               <a:rPr lang="it-IT" smtClean="0"/>
-              <a:t>04/07/2022</a:t>
+              <a:t>05/07/2022</a:t>
             </a:fld>
             <a:endParaRPr lang="it-IT"/>
           </a:p>
@@ -2899,7 +2899,7 @@
           <a:p>
             <a:fld id="{8F4123FD-8503-424E-BB0E-06AF7306D130}" type="datetimeFigureOut">
               <a:rPr lang="it-IT" smtClean="0"/>
-              <a:t>04/07/2022</a:t>
+              <a:t>05/07/2022</a:t>
             </a:fld>
             <a:endParaRPr lang="it-IT"/>
           </a:p>
@@ -3164,7 +3164,7 @@
           <a:p>
             <a:fld id="{8F4123FD-8503-424E-BB0E-06AF7306D130}" type="datetimeFigureOut">
               <a:rPr lang="it-IT" smtClean="0"/>
-              <a:t>04/07/2022</a:t>
+              <a:t>05/07/2022</a:t>
             </a:fld>
             <a:endParaRPr lang="it-IT"/>
           </a:p>
@@ -3576,7 +3576,7 @@
           <a:p>
             <a:fld id="{8F4123FD-8503-424E-BB0E-06AF7306D130}" type="datetimeFigureOut">
               <a:rPr lang="it-IT" smtClean="0"/>
-              <a:t>04/07/2022</a:t>
+              <a:t>05/07/2022</a:t>
             </a:fld>
             <a:endParaRPr lang="it-IT"/>
           </a:p>
@@ -3717,7 +3717,7 @@
           <a:p>
             <a:fld id="{8F4123FD-8503-424E-BB0E-06AF7306D130}" type="datetimeFigureOut">
               <a:rPr lang="it-IT" smtClean="0"/>
-              <a:t>04/07/2022</a:t>
+              <a:t>05/07/2022</a:t>
             </a:fld>
             <a:endParaRPr lang="it-IT"/>
           </a:p>
@@ -3830,7 +3830,7 @@
           <a:p>
             <a:fld id="{8F4123FD-8503-424E-BB0E-06AF7306D130}" type="datetimeFigureOut">
               <a:rPr lang="it-IT" smtClean="0"/>
-              <a:t>04/07/2022</a:t>
+              <a:t>05/07/2022</a:t>
             </a:fld>
             <a:endParaRPr lang="it-IT"/>
           </a:p>
@@ -4141,7 +4141,7 @@
           <a:p>
             <a:fld id="{8F4123FD-8503-424E-BB0E-06AF7306D130}" type="datetimeFigureOut">
               <a:rPr lang="it-IT" smtClean="0"/>
-              <a:t>04/07/2022</a:t>
+              <a:t>05/07/2022</a:t>
             </a:fld>
             <a:endParaRPr lang="it-IT"/>
           </a:p>
@@ -4429,7 +4429,7 @@
           <a:p>
             <a:fld id="{8F4123FD-8503-424E-BB0E-06AF7306D130}" type="datetimeFigureOut">
               <a:rPr lang="it-IT" smtClean="0"/>
-              <a:t>04/07/2022</a:t>
+              <a:t>05/07/2022</a:t>
             </a:fld>
             <a:endParaRPr lang="it-IT"/>
           </a:p>
@@ -4673,7 +4673,7 @@
           <a:p>
             <a:fld id="{8F4123FD-8503-424E-BB0E-06AF7306D130}" type="datetimeFigureOut">
               <a:rPr lang="it-IT" smtClean="0"/>
-              <a:t>04/07/2022</a:t>
+              <a:t>05/07/2022</a:t>
             </a:fld>
             <a:endParaRPr lang="it-IT"/>
           </a:p>
@@ -8184,7 +8184,7 @@
             <a:r>
               <a:rPr lang="it" sz="4800" b="1" dirty="0">
                 <a:solidFill>
-                  <a:srgbClr val="6E0707"/>
+                  <a:srgbClr val="F7E05F"/>
                 </a:solidFill>
                 <a:latin typeface="Lora"/>
                 <a:ea typeface="Lora"/>
